--- a/sppoint.pptx
+++ b/sppoint.pptx
@@ -125,6 +125,11 @@
       </a:defRPr>
     </a:lvl9pPr>
   </p:defaultTextStyle>
+  <p:extLst>
+    <p:ext uri="{EFAFB233-063F-42B5-8137-9DF3F51BA10A}">
+      <p15:sldGuideLst xmlns:p15="http://schemas.microsoft.com/office/powerpoint/2012/main"/>
+    </p:ext>
+  </p:extLst>
 </p:presentation>
 </file>
 
@@ -1266,6 +1271,13 @@
         </dgm:presLayoutVars>
       </dgm:prSet>
       <dgm:spPr/>
+      <dgm:t>
+        <a:bodyPr/>
+        <a:lstStyle/>
+        <a:p>
+          <a:endParaRPr lang="es-GT"/>
+        </a:p>
+      </dgm:t>
     </dgm:pt>
     <dgm:pt modelId="{C9360E9B-4B23-4AC3-8538-6AE444D19DE1}" type="pres">
       <dgm:prSet presAssocID="{22A14782-4FC4-4D3E-88B9-6C698AA2E485}" presName="compNode" presStyleCnt="0"/>
@@ -1293,6 +1305,13 @@
     <dgm:pt modelId="{03BDCFA0-B4D0-48D6-978A-BAFEA57926BC}" type="pres">
       <dgm:prSet presAssocID="{B9B59C43-2B2F-46C3-B7A0-C13CFD6C6FD1}" presName="sibTrans" presStyleLbl="bgSibTrans2D1" presStyleIdx="0" presStyleCnt="8"/>
       <dgm:spPr/>
+      <dgm:t>
+        <a:bodyPr/>
+        <a:lstStyle/>
+        <a:p>
+          <a:endParaRPr lang="es-GT"/>
+        </a:p>
+      </dgm:t>
     </dgm:pt>
     <dgm:pt modelId="{F6EF3153-AF38-4372-9DCE-60BE5EFB63B8}" type="pres">
       <dgm:prSet presAssocID="{4210182D-E360-461A-951C-65D562D7F445}" presName="compNode" presStyleCnt="0"/>
@@ -1320,6 +1339,13 @@
     <dgm:pt modelId="{0CE1E259-A11A-4BE7-87B9-7560C7D9C97B}" type="pres">
       <dgm:prSet presAssocID="{D980467A-2FAD-47A0-A4FF-45EAEBC88DE0}" presName="sibTrans" presStyleLbl="bgSibTrans2D1" presStyleIdx="1" presStyleCnt="8"/>
       <dgm:spPr/>
+      <dgm:t>
+        <a:bodyPr/>
+        <a:lstStyle/>
+        <a:p>
+          <a:endParaRPr lang="es-GT"/>
+        </a:p>
+      </dgm:t>
     </dgm:pt>
     <dgm:pt modelId="{B671C5E9-4EEE-41D5-A43B-0CABA94EE0AB}" type="pres">
       <dgm:prSet presAssocID="{4D92E75B-9C09-45DB-A1FC-9EBDD8A64ACC}" presName="compNode" presStyleCnt="0"/>
@@ -1347,6 +1373,13 @@
     <dgm:pt modelId="{CA935278-6E98-43E8-A10D-D7FD784F40F1}" type="pres">
       <dgm:prSet presAssocID="{FAFB225E-19B0-4A41-80BD-EAD3F29A75AA}" presName="sibTrans" presStyleLbl="bgSibTrans2D1" presStyleIdx="2" presStyleCnt="8"/>
       <dgm:spPr/>
+      <dgm:t>
+        <a:bodyPr/>
+        <a:lstStyle/>
+        <a:p>
+          <a:endParaRPr lang="es-GT"/>
+        </a:p>
+      </dgm:t>
     </dgm:pt>
     <dgm:pt modelId="{1A417D69-5514-47EB-97C7-61B285359F8D}" type="pres">
       <dgm:prSet presAssocID="{F322C610-25A5-41E2-91EB-96A0D07EB889}" presName="compNode" presStyleCnt="0"/>
@@ -1374,6 +1407,13 @@
     <dgm:pt modelId="{48E20630-AAD7-4FDB-B2B5-EF5BC97EC321}" type="pres">
       <dgm:prSet presAssocID="{BFBF2E78-7531-4E26-BA53-5038FB469992}" presName="sibTrans" presStyleLbl="bgSibTrans2D1" presStyleIdx="3" presStyleCnt="8"/>
       <dgm:spPr/>
+      <dgm:t>
+        <a:bodyPr/>
+        <a:lstStyle/>
+        <a:p>
+          <a:endParaRPr lang="es-GT"/>
+        </a:p>
+      </dgm:t>
     </dgm:pt>
     <dgm:pt modelId="{E6BB24B7-457D-4095-AB5D-320F1F139A82}" type="pres">
       <dgm:prSet presAssocID="{EE138694-D118-4739-AB54-93B6869E74B8}" presName="compNode" presStyleCnt="0"/>
@@ -1401,6 +1441,13 @@
     <dgm:pt modelId="{A79A4DE7-0CF6-4099-A3F3-C2A2D832E846}" type="pres">
       <dgm:prSet presAssocID="{B3A6BCDF-2C71-470F-83B5-B6FACBAF158E}" presName="sibTrans" presStyleLbl="bgSibTrans2D1" presStyleIdx="4" presStyleCnt="8"/>
       <dgm:spPr/>
+      <dgm:t>
+        <a:bodyPr/>
+        <a:lstStyle/>
+        <a:p>
+          <a:endParaRPr lang="es-GT"/>
+        </a:p>
+      </dgm:t>
     </dgm:pt>
     <dgm:pt modelId="{3E1A96EB-164A-417B-ABDD-66A6E1AA7A04}" type="pres">
       <dgm:prSet presAssocID="{374699EC-763C-40C0-88D8-60BE0D4BD98E}" presName="compNode" presStyleCnt="0"/>
@@ -1428,6 +1475,13 @@
     <dgm:pt modelId="{572F8D4A-B685-4574-8B77-AED8A7C50553}" type="pres">
       <dgm:prSet presAssocID="{8618597E-7961-41E2-AA40-D697F75C6C91}" presName="sibTrans" presStyleLbl="bgSibTrans2D1" presStyleIdx="5" presStyleCnt="8"/>
       <dgm:spPr/>
+      <dgm:t>
+        <a:bodyPr/>
+        <a:lstStyle/>
+        <a:p>
+          <a:endParaRPr lang="es-GT"/>
+        </a:p>
+      </dgm:t>
     </dgm:pt>
     <dgm:pt modelId="{9D241E08-F41F-47B1-9A85-2054FFAE3B85}" type="pres">
       <dgm:prSet presAssocID="{4EFA2574-A6DE-487A-9F3F-16876A7A2749}" presName="compNode" presStyleCnt="0"/>
@@ -1455,6 +1509,13 @@
     <dgm:pt modelId="{18DE4A7B-5CE6-4BCC-9EB7-4503031CB863}" type="pres">
       <dgm:prSet presAssocID="{F00D88B1-A5F8-4FC5-8CA8-7E54D53BB996}" presName="sibTrans" presStyleLbl="bgSibTrans2D1" presStyleIdx="6" presStyleCnt="8"/>
       <dgm:spPr/>
+      <dgm:t>
+        <a:bodyPr/>
+        <a:lstStyle/>
+        <a:p>
+          <a:endParaRPr lang="es-GT"/>
+        </a:p>
+      </dgm:t>
     </dgm:pt>
     <dgm:pt modelId="{B7685E42-5929-4374-90A8-26AE492A85C3}" type="pres">
       <dgm:prSet presAssocID="{9DD1C5C0-0BC5-49C0-A939-0F5E2829E39C}" presName="compNode" presStyleCnt="0"/>
@@ -1482,6 +1543,13 @@
     <dgm:pt modelId="{8C6969FC-4C78-45A7-ABA1-2C2C96252D5B}" type="pres">
       <dgm:prSet presAssocID="{33BCA5A7-D46D-4E3C-BFAA-9AA72F302742}" presName="sibTrans" presStyleLbl="bgSibTrans2D1" presStyleIdx="7" presStyleCnt="8"/>
       <dgm:spPr/>
+      <dgm:t>
+        <a:bodyPr/>
+        <a:lstStyle/>
+        <a:p>
+          <a:endParaRPr lang="es-GT"/>
+        </a:p>
+      </dgm:t>
     </dgm:pt>
     <dgm:pt modelId="{5CFCFD88-4EFA-450F-B057-1D3B87532276}" type="pres">
       <dgm:prSet presAssocID="{CB64ABBA-6F0D-4812-8284-59E9643569E1}" presName="compNode" presStyleCnt="0"/>
@@ -18126,6 +18194,16 @@
   <p:clrMapOvr>
     <a:masterClrMapping/>
   </p:clrMapOvr>
+  <p:transition spd="slow">
+    <p:randomBar dir="vert"/>
+  </p:transition>
+  <p:timing>
+    <p:tnLst>
+      <p:par>
+        <p:cTn id="1" dur="indefinite" restart="never" nodeType="tmRoot"/>
+      </p:par>
+    </p:tnLst>
+  </p:timing>
 </p:sld>
 </file>
 
@@ -18709,6 +18787,25 @@
   <p:clrMapOvr>
     <a:masterClrMapping/>
   </p:clrMapOvr>
+  <mc:AlternateContent xmlns:mc="http://schemas.openxmlformats.org/markup-compatibility/2006">
+    <mc:Choice xmlns:p15="http://schemas.microsoft.com/office/powerpoint/2012/main" Requires="p15">
+      <p:transition xmlns:p14="http://schemas.microsoft.com/office/powerpoint/2010/main" spd="slow" p14:dur="2000">
+        <p15:prstTrans prst="drape"/>
+      </p:transition>
+    </mc:Choice>
+    <mc:Fallback>
+      <p:transition spd="slow">
+        <p:fade/>
+      </p:transition>
+    </mc:Fallback>
+  </mc:AlternateContent>
+  <p:timing>
+    <p:tnLst>
+      <p:par>
+        <p:cTn id="1" dur="indefinite" restart="never" nodeType="tmRoot"/>
+      </p:par>
+    </p:tnLst>
+  </p:timing>
 </p:sld>
 </file>
 
@@ -18973,6 +19070,25 @@
   <p:clrMapOvr>
     <a:masterClrMapping/>
   </p:clrMapOvr>
+  <mc:AlternateContent xmlns:mc="http://schemas.openxmlformats.org/markup-compatibility/2006">
+    <mc:Choice xmlns:p15="http://schemas.microsoft.com/office/powerpoint/2012/main" Requires="p15">
+      <p:transition xmlns:p14="http://schemas.microsoft.com/office/powerpoint/2010/main" spd="slow" p14:dur="2000">
+        <p15:prstTrans prst="fallOver"/>
+      </p:transition>
+    </mc:Choice>
+    <mc:Fallback>
+      <p:transition spd="slow">
+        <p:fade/>
+      </p:transition>
+    </mc:Fallback>
+  </mc:AlternateContent>
+  <p:timing>
+    <p:tnLst>
+      <p:par>
+        <p:cTn id="1" dur="indefinite" restart="never" nodeType="tmRoot"/>
+      </p:par>
+    </p:tnLst>
+  </p:timing>
 </p:sld>
 </file>
 
@@ -19025,6 +19141,25 @@
   <p:clrMapOvr>
     <a:masterClrMapping/>
   </p:clrMapOvr>
+  <mc:AlternateContent xmlns:mc="http://schemas.openxmlformats.org/markup-compatibility/2006">
+    <mc:Choice xmlns:p15="http://schemas.microsoft.com/office/powerpoint/2012/main" Requires="p15">
+      <p:transition xmlns:p14="http://schemas.microsoft.com/office/powerpoint/2010/main" spd="slow" p14:dur="2000">
+        <p15:prstTrans prst="fracture"/>
+      </p:transition>
+    </mc:Choice>
+    <mc:Fallback>
+      <p:transition spd="slow">
+        <p:fade/>
+      </p:transition>
+    </mc:Fallback>
+  </mc:AlternateContent>
+  <p:timing>
+    <p:tnLst>
+      <p:par>
+        <p:cTn id="1" dur="indefinite" restart="never" nodeType="tmRoot"/>
+      </p:par>
+    </p:tnLst>
+  </p:timing>
 </p:sld>
 </file>
 
@@ -19125,6 +19260,25 @@
   <p:clrMapOvr>
     <a:masterClrMapping/>
   </p:clrMapOvr>
+  <mc:AlternateContent xmlns:mc="http://schemas.openxmlformats.org/markup-compatibility/2006">
+    <mc:Choice xmlns:p14="http://schemas.microsoft.com/office/powerpoint/2010/main" Requires="p14">
+      <p:transition spd="slow" p14:dur="3000">
+        <p14:shred/>
+      </p:transition>
+    </mc:Choice>
+    <mc:Fallback>
+      <p:transition spd="slow">
+        <p:fade/>
+      </p:transition>
+    </mc:Fallback>
+  </mc:AlternateContent>
+  <p:timing>
+    <p:tnLst>
+      <p:par>
+        <p:cTn id="1" dur="indefinite" restart="never" nodeType="tmRoot"/>
+      </p:par>
+    </p:tnLst>
+  </p:timing>
 </p:sld>
 </file>
 
@@ -19185,6 +19339,25 @@
   <p:clrMapOvr>
     <a:masterClrMapping/>
   </p:clrMapOvr>
+  <mc:AlternateContent xmlns:mc="http://schemas.openxmlformats.org/markup-compatibility/2006">
+    <mc:Choice xmlns:p14="http://schemas.microsoft.com/office/powerpoint/2010/main" Requires="p14">
+      <p:transition spd="slow" p14:dur="4000">
+        <p14:vortex dir="r"/>
+      </p:transition>
+    </mc:Choice>
+    <mc:Fallback>
+      <p:transition spd="slow">
+        <p:fade/>
+      </p:transition>
+    </mc:Fallback>
+  </mc:AlternateContent>
+  <p:timing>
+    <p:tnLst>
+      <p:par>
+        <p:cTn id="1" dur="indefinite" restart="never" nodeType="tmRoot"/>
+      </p:par>
+    </p:tnLst>
+  </p:timing>
 </p:sld>
 </file>
 
@@ -19423,6 +19596,25 @@
   <p:clrMapOvr>
     <a:masterClrMapping/>
   </p:clrMapOvr>
+  <mc:AlternateContent xmlns:mc="http://schemas.openxmlformats.org/markup-compatibility/2006">
+    <mc:Choice xmlns:p15="http://schemas.microsoft.com/office/powerpoint/2012/main" Requires="p15">
+      <p:transition xmlns:p14="http://schemas.microsoft.com/office/powerpoint/2010/main" spd="slow" p14:dur="2000">
+        <p15:prstTrans prst="crush"/>
+      </p:transition>
+    </mc:Choice>
+    <mc:Fallback>
+      <p:transition spd="slow">
+        <p:fade/>
+      </p:transition>
+    </mc:Fallback>
+  </mc:AlternateContent>
+  <p:timing>
+    <p:tnLst>
+      <p:par>
+        <p:cTn id="1" dur="indefinite" restart="never" nodeType="tmRoot"/>
+      </p:par>
+    </p:tnLst>
+  </p:timing>
 </p:sld>
 </file>
 
@@ -19483,6 +19675,25 @@
   <p:clrMapOvr>
     <a:masterClrMapping/>
   </p:clrMapOvr>
+  <mc:AlternateContent xmlns:mc="http://schemas.openxmlformats.org/markup-compatibility/2006">
+    <mc:Choice xmlns:p14="http://schemas.microsoft.com/office/powerpoint/2010/main" Requires="p14">
+      <p:transition spd="slow" p14:dur="1600">
+        <p:blinds dir="vert"/>
+      </p:transition>
+    </mc:Choice>
+    <mc:Fallback>
+      <p:transition spd="slow">
+        <p:blinds dir="vert"/>
+      </p:transition>
+    </mc:Fallback>
+  </mc:AlternateContent>
+  <p:timing>
+    <p:tnLst>
+      <p:par>
+        <p:cTn id="1" dur="indefinite" restart="never" nodeType="tmRoot"/>
+      </p:par>
+    </p:tnLst>
+  </p:timing>
 </p:sld>
 </file>
 
@@ -19581,14 +19792,6 @@
               </a:rPr>
               <a:t>Es todo aquello que nos facilita la redacción de cualquier tipo de documento , carta, o cualquier tipo de trabajo que se requiera en oficina.</a:t>
             </a:r>
-            <a:endParaRPr lang="es-GT" dirty="0">
-              <a:solidFill>
-                <a:schemeClr val="bg1">
-                  <a:lumMod val="95000"/>
-                </a:schemeClr>
-              </a:solidFill>
-              <a:latin typeface="Algerian" panose="04020705040A02060702" pitchFamily="82" charset="0"/>
-            </a:endParaRPr>
           </a:p>
         </p:txBody>
       </p:sp>
@@ -19602,6 +19805,25 @@
   <p:clrMapOvr>
     <a:masterClrMapping/>
   </p:clrMapOvr>
+  <mc:AlternateContent xmlns:mc="http://schemas.openxmlformats.org/markup-compatibility/2006">
+    <mc:Choice xmlns:p14="http://schemas.microsoft.com/office/powerpoint/2010/main" Requires="p14">
+      <p:transition spd="slow" p14:dur="900">
+        <p14:warp dir="in"/>
+      </p:transition>
+    </mc:Choice>
+    <mc:Fallback>
+      <p:transition spd="slow">
+        <p:fade/>
+      </p:transition>
+    </mc:Fallback>
+  </mc:AlternateContent>
+  <p:timing>
+    <p:tnLst>
+      <p:par>
+        <p:cTn id="1" dur="indefinite" restart="never" nodeType="tmRoot"/>
+      </p:par>
+    </p:tnLst>
+  </p:timing>
 </p:sld>
 </file>
 
@@ -19743,6 +19965,25 @@
   <p:clrMapOvr>
     <a:masterClrMapping/>
   </p:clrMapOvr>
+  <mc:AlternateContent xmlns:mc="http://schemas.openxmlformats.org/markup-compatibility/2006">
+    <mc:Choice xmlns:p14="http://schemas.microsoft.com/office/powerpoint/2010/main" Requires="p14">
+      <p:transition spd="slow" p14:dur="1200">
+        <p14:prism/>
+      </p:transition>
+    </mc:Choice>
+    <mc:Fallback>
+      <p:transition spd="slow">
+        <p:fade/>
+      </p:transition>
+    </mc:Fallback>
+  </mc:AlternateContent>
+  <p:timing>
+    <p:tnLst>
+      <p:par>
+        <p:cTn id="1" dur="indefinite" restart="never" nodeType="tmRoot"/>
+      </p:par>
+    </p:tnLst>
+  </p:timing>
 </p:sld>
 </file>
 
@@ -19895,6 +20136,16 @@
   <p:clrMapOvr>
     <a:masterClrMapping/>
   </p:clrMapOvr>
+  <p:transition spd="slow">
+    <p:comb/>
+  </p:transition>
+  <p:timing>
+    <p:tnLst>
+      <p:par>
+        <p:cTn id="1" dur="indefinite" restart="never" nodeType="tmRoot"/>
+      </p:par>
+    </p:tnLst>
+  </p:timing>
 </p:sld>
 </file>
 
@@ -20199,6 +20450,25 @@
   <p:clrMapOvr>
     <a:masterClrMapping/>
   </p:clrMapOvr>
+  <mc:AlternateContent xmlns:mc="http://schemas.openxmlformats.org/markup-compatibility/2006">
+    <mc:Choice xmlns:p14="http://schemas.microsoft.com/office/powerpoint/2010/main" Requires="p14">
+      <p:transition spd="slow" p14:dur="800">
+        <p:circle/>
+      </p:transition>
+    </mc:Choice>
+    <mc:Fallback>
+      <p:transition spd="slow">
+        <p:circle/>
+      </p:transition>
+    </mc:Fallback>
+  </mc:AlternateContent>
+  <p:timing>
+    <p:tnLst>
+      <p:par>
+        <p:cTn id="1" dur="indefinite" restart="never" nodeType="tmRoot"/>
+      </p:par>
+    </p:tnLst>
+  </p:timing>
 </p:sld>
 </file>
 
@@ -20293,6 +20563,25 @@
   <p:clrMapOvr>
     <a:masterClrMapping/>
   </p:clrMapOvr>
+  <mc:AlternateContent xmlns:mc="http://schemas.openxmlformats.org/markup-compatibility/2006">
+    <mc:Choice xmlns:p14="http://schemas.microsoft.com/office/powerpoint/2010/main" Requires="p14">
+      <p:transition spd="slow" p14:dur="1500">
+        <p:split orient="vert"/>
+      </p:transition>
+    </mc:Choice>
+    <mc:Fallback>
+      <p:transition spd="slow">
+        <p:split orient="vert"/>
+      </p:transition>
+    </mc:Fallback>
+  </mc:AlternateContent>
+  <p:timing>
+    <p:tnLst>
+      <p:par>
+        <p:cTn id="1" dur="indefinite" restart="never" nodeType="tmRoot"/>
+      </p:par>
+    </p:tnLst>
+  </p:timing>
 </p:sld>
 </file>
 
@@ -20876,6 +21165,16 @@
   <p:clrMapOvr>
     <a:masterClrMapping/>
   </p:clrMapOvr>
+  <p:transition spd="slow">
+    <p:wipe/>
+  </p:transition>
+  <p:timing>
+    <p:tnLst>
+      <p:par>
+        <p:cTn id="1" dur="indefinite" restart="never" nodeType="tmRoot"/>
+      </p:par>
+    </p:tnLst>
+  </p:timing>
 </p:sld>
 </file>
 
@@ -21527,14 +21826,6 @@
               </a:rPr>
               <a:t>, etc. </a:t>
             </a:r>
-            <a:endParaRPr lang="es-GT" dirty="0">
-              <a:solidFill>
-                <a:schemeClr val="bg1">
-                  <a:lumMod val="95000"/>
-                </a:schemeClr>
-              </a:solidFill>
-              <a:latin typeface="Algerian" panose="04020705040A02060702" pitchFamily="82" charset="0"/>
-            </a:endParaRPr>
           </a:p>
         </p:txBody>
       </p:sp>
@@ -21548,6 +21839,16 @@
   <p:clrMapOvr>
     <a:masterClrMapping/>
   </p:clrMapOvr>
+  <p:transition spd="slow">
+    <p:push dir="u"/>
+  </p:transition>
+  <p:timing>
+    <p:tnLst>
+      <p:par>
+        <p:cTn id="1" dur="indefinite" restart="never" nodeType="tmRoot"/>
+      </p:par>
+    </p:tnLst>
+  </p:timing>
 </p:sld>
 </file>
 
@@ -21836,6 +22137,25 @@
   <p:clrMapOvr>
     <a:masterClrMapping/>
   </p:clrMapOvr>
+  <mc:AlternateContent xmlns:mc="http://schemas.openxmlformats.org/markup-compatibility/2006">
+    <mc:Choice xmlns:p14="http://schemas.microsoft.com/office/powerpoint/2010/main" Requires="p14">
+      <p:transition spd="slow">
+        <p14:flash/>
+      </p:transition>
+    </mc:Choice>
+    <mc:Fallback>
+      <p:transition spd="slow">
+        <p:fade/>
+      </p:transition>
+    </mc:Fallback>
+  </mc:AlternateContent>
+  <p:timing>
+    <p:tnLst>
+      <p:par>
+        <p:cTn id="1" dur="indefinite" restart="never" nodeType="tmRoot"/>
+      </p:par>
+    </p:tnLst>
+  </p:timing>
 </p:sld>
 </file>
 
@@ -22175,6 +22495,16 @@
   <p:clrMapOvr>
     <a:masterClrMapping/>
   </p:clrMapOvr>
+  <p:transition spd="slow">
+    <p:cover/>
+  </p:transition>
+  <p:timing>
+    <p:tnLst>
+      <p:par>
+        <p:cTn id="1" dur="indefinite" restart="never" nodeType="tmRoot"/>
+      </p:par>
+    </p:tnLst>
+  </p:timing>
 </p:sld>
 </file>
 
@@ -22519,6 +22849,25 @@
   <p:clrMapOvr>
     <a:masterClrMapping/>
   </p:clrMapOvr>
+  <mc:AlternateContent xmlns:mc="http://schemas.openxmlformats.org/markup-compatibility/2006">
+    <mc:Choice xmlns:p15="http://schemas.microsoft.com/office/powerpoint/2012/main" Requires="p15">
+      <p:transition xmlns:p14="http://schemas.microsoft.com/office/powerpoint/2010/main" spd="slow" p14:dur="2000">
+        <p15:prstTrans prst="wind"/>
+      </p:transition>
+    </mc:Choice>
+    <mc:Fallback>
+      <p:transition spd="slow">
+        <p:fade/>
+      </p:transition>
+    </mc:Fallback>
+  </mc:AlternateContent>
+  <p:timing>
+    <p:tnLst>
+      <p:par>
+        <p:cTn id="1" dur="indefinite" restart="never" nodeType="tmRoot"/>
+      </p:par>
+    </p:tnLst>
+  </p:timing>
 </p:sld>
 </file>
 
@@ -22579,6 +22928,25 @@
   <p:clrMapOvr>
     <a:masterClrMapping/>
   </p:clrMapOvr>
+  <mc:AlternateContent xmlns:mc="http://schemas.openxmlformats.org/markup-compatibility/2006">
+    <mc:Choice xmlns:p15="http://schemas.microsoft.com/office/powerpoint/2012/main" Requires="p15">
+      <p:transition xmlns:p14="http://schemas.microsoft.com/office/powerpoint/2010/main" spd="slow" p14:dur="6000">
+        <p15:prstTrans prst="curtains"/>
+      </p:transition>
+    </mc:Choice>
+    <mc:Fallback>
+      <p:transition spd="slow">
+        <p:fade/>
+      </p:transition>
+    </mc:Fallback>
+  </mc:AlternateContent>
+  <p:timing>
+    <p:tnLst>
+      <p:par>
+        <p:cTn id="1" dur="indefinite" restart="never" nodeType="tmRoot"/>
+      </p:par>
+    </p:tnLst>
+  </p:timing>
 </p:sld>
 </file>
 
